--- a/assets/lectures/cshl/2021/full/RNASeq_Module3_AbundanceEstimation_DifferentialExpression.pptx
+++ b/assets/lectures/cshl/2021/full/RNASeq_Module3_AbundanceEstimation_DifferentialExpression.pptx
@@ -219,7 +219,7 @@
           <a:p>
             <a:fld id="{827BD9F9-8452-A342-BB1B-28ECF19E2CC5}" type="datetimeFigureOut">
               <a:rPr lang="en-US" smtClean="0"/>
-              <a:t>11/17/20</a:t>
+              <a:t>11/10/21</a:t>
             </a:fld>
             <a:endParaRPr lang="en-US"/>
           </a:p>
@@ -2046,14 +2046,14 @@
           </a:ln>
           <a:extLst>
             <a:ext uri="{909E8E84-426E-40dd-AFC4-6F175D3DCCD1}">
-              <a14:hiddenFill xmlns:a14="http://schemas.microsoft.com/office/drawing/2010/main" xmlns="">
+              <a14:hiddenFill xmlns="" xmlns:a14="http://schemas.microsoft.com/office/drawing/2010/main">
                 <a:solidFill>
                   <a:srgbClr val="FFFFFF"/>
                 </a:solidFill>
               </a14:hiddenFill>
             </a:ext>
             <a:ext uri="{91240B29-F687-4f45-9708-019B960494DF}">
-              <a14:hiddenLine xmlns:a14="http://schemas.microsoft.com/office/drawing/2010/main" xmlns="" w="9525">
+              <a14:hiddenLine xmlns="" xmlns:a14="http://schemas.microsoft.com/office/drawing/2010/main" w="9525">
                 <a:solidFill>
                   <a:srgbClr val="000000"/>
                 </a:solidFill>
@@ -2431,14 +2431,14 @@
           </a:ln>
           <a:extLst>
             <a:ext uri="{909E8E84-426E-40dd-AFC4-6F175D3DCCD1}">
-              <a14:hiddenFill xmlns:a14="http://schemas.microsoft.com/office/drawing/2010/main" xmlns="">
+              <a14:hiddenFill xmlns="" xmlns:a14="http://schemas.microsoft.com/office/drawing/2010/main">
                 <a:solidFill>
                   <a:srgbClr val="FFFFFF"/>
                 </a:solidFill>
               </a14:hiddenFill>
             </a:ext>
             <a:ext uri="{91240B29-F687-4f45-9708-019B960494DF}">
-              <a14:hiddenLine xmlns:a14="http://schemas.microsoft.com/office/drawing/2010/main" xmlns="" w="9525">
+              <a14:hiddenLine xmlns="" xmlns:a14="http://schemas.microsoft.com/office/drawing/2010/main" w="9525">
                 <a:solidFill>
                   <a:srgbClr val="000000"/>
                 </a:solidFill>
@@ -4156,14 +4156,14 @@
           </a:ln>
           <a:extLst>
             <a:ext uri="{909E8E84-426E-40dd-AFC4-6F175D3DCCD1}">
-              <a14:hiddenFill xmlns:a14="http://schemas.microsoft.com/office/drawing/2010/main" xmlns="">
+              <a14:hiddenFill xmlns="" xmlns:a14="http://schemas.microsoft.com/office/drawing/2010/main">
                 <a:solidFill>
                   <a:srgbClr val="FFFFFF"/>
                 </a:solidFill>
               </a14:hiddenFill>
             </a:ext>
             <a:ext uri="{91240B29-F687-4f45-9708-019B960494DF}">
-              <a14:hiddenLine xmlns:a14="http://schemas.microsoft.com/office/drawing/2010/main" xmlns="" w="9525">
+              <a14:hiddenLine xmlns="" xmlns:a14="http://schemas.microsoft.com/office/drawing/2010/main" w="9525">
                 <a:solidFill>
                   <a:srgbClr val="000000"/>
                 </a:solidFill>
@@ -5046,14 +5046,14 @@
           </a:ln>
           <a:extLst>
             <a:ext uri="{909E8E84-426E-40dd-AFC4-6F175D3DCCD1}">
-              <a14:hiddenFill xmlns="" xmlns:a14="http://schemas.microsoft.com/office/drawing/2010/main">
+              <a14:hiddenFill xmlns:a14="http://schemas.microsoft.com/office/drawing/2010/main" xmlns="">
                 <a:solidFill>
                   <a:srgbClr val="FFFFFF"/>
                 </a:solidFill>
               </a14:hiddenFill>
             </a:ext>
             <a:ext uri="{91240B29-F687-4f45-9708-019B960494DF}">
-              <a14:hiddenLine xmlns="" xmlns:a14="http://schemas.microsoft.com/office/drawing/2010/main" w="9525">
+              <a14:hiddenLine xmlns:a14="http://schemas.microsoft.com/office/drawing/2010/main" xmlns="" w="9525">
                 <a:solidFill>
                   <a:srgbClr val="000000"/>
                 </a:solidFill>
@@ -5145,21 +5145,49 @@
                 <a:latin typeface="Calibri"/>
                 <a:cs typeface="Calibri"/>
               </a:rPr>
-              <a:t>John Chamberlin, </a:t>
+              <a:t>Kelsy Cotto, Arpad </a:t>
             </a:r>
             <a:r>
               <a:rPr lang="en-US" sz="1800" dirty="0" err="1">
                 <a:latin typeface="Calibri"/>
                 <a:cs typeface="Calibri"/>
               </a:rPr>
-              <a:t>Kelsy</a:t>
+              <a:t>Danos</a:t>
             </a:r>
             <a:r>
               <a:rPr lang="en-US" sz="1800" dirty="0">
                 <a:latin typeface="Calibri"/>
                 <a:cs typeface="Calibri"/>
               </a:rPr>
-              <a:t> Cotto, Felicia Gomez, Obi Griffith, Malachi Griffith, </a:t>
+              <a:t>, Harriet </a:t>
+            </a:r>
+            <a:r>
+              <a:rPr lang="en-US" sz="1800" dirty="0" err="1">
+                <a:latin typeface="Calibri"/>
+                <a:cs typeface="Calibri"/>
+              </a:rPr>
+              <a:t>Dashnow</a:t>
+            </a:r>
+            <a:r>
+              <a:rPr lang="en-US" sz="1800" dirty="0">
+                <a:latin typeface="Calibri"/>
+                <a:cs typeface="Calibri"/>
+              </a:rPr>
+              <a:t>, Felicia Gomez, Sharon </a:t>
+            </a:r>
+            <a:r>
+              <a:rPr lang="en-US" sz="1800" dirty="0" err="1">
+                <a:latin typeface="Calibri"/>
+                <a:cs typeface="Calibri"/>
+              </a:rPr>
+              <a:t>Freshour</a:t>
+            </a:r>
+            <a:r>
+              <a:rPr lang="en-US" sz="1800" dirty="0">
+                <a:latin typeface="Calibri"/>
+                <a:cs typeface="Calibri"/>
+              </a:rPr>
+              <a:t>, Obi Griffith, </a:t>
             </a:r>
           </a:p>
           <a:p>
@@ -5171,21 +5199,35 @@
                 <a:latin typeface="Calibri"/>
                 <a:cs typeface="Calibri"/>
               </a:rPr>
-              <a:t>Simone Longo, Allegra Petti, Aaron Quinlan, Megan </a:t>
+              <a:t>Malachi Griffith, Jason </a:t>
             </a:r>
             <a:r>
               <a:rPr lang="en-US" sz="1800" dirty="0" err="1">
                 <a:latin typeface="Calibri"/>
                 <a:cs typeface="Calibri"/>
               </a:rPr>
-              <a:t>Richters</a:t>
+              <a:t>Kunisaki</a:t>
             </a:r>
             <a:r>
               <a:rPr lang="en-US" sz="1800" dirty="0">
                 <a:latin typeface="Calibri"/>
                 <a:cs typeface="Calibri"/>
               </a:rPr>
-              <a:t>, Huiming Xia</a:t>
+              <a:t>, Chris Miller, Jonathan </a:t>
+            </a:r>
+            <a:r>
+              <a:rPr lang="en-US" sz="1800" dirty="0" err="1">
+                <a:latin typeface="Calibri"/>
+                <a:cs typeface="Calibri"/>
+              </a:rPr>
+              <a:t>Preall</a:t>
+            </a:r>
+            <a:r>
+              <a:rPr lang="en-US" sz="1800" dirty="0">
+                <a:latin typeface="Calibri"/>
+                <a:cs typeface="Calibri"/>
+              </a:rPr>
+              <a:t>, Aaron Quinlan</a:t>
             </a:r>
           </a:p>
           <a:p>
@@ -5218,7 +5260,7 @@
                 <a:latin typeface="Calibri"/>
                 <a:cs typeface="Calibri"/>
               </a:rPr>
-              <a:t>November 16-20, 2020</a:t>
+              <a:t>November 11-19, 2021</a:t>
             </a:r>
           </a:p>
         </p:txBody>
@@ -7475,14 +7517,14 @@
           </a:ln>
           <a:extLst>
             <a:ext uri="{909E8E84-426E-40dd-AFC4-6F175D3DCCD1}">
-              <a14:hiddenFill xmlns="" xmlns:a14="http://schemas.microsoft.com/office/drawing/2010/main">
+              <a14:hiddenFill xmlns:a14="http://schemas.microsoft.com/office/drawing/2010/main" xmlns="">
                 <a:solidFill>
                   <a:srgbClr val="FFFFFF"/>
                 </a:solidFill>
               </a14:hiddenFill>
             </a:ext>
             <a:ext uri="{91240B29-F687-4f45-9708-019B960494DF}">
-              <a14:hiddenLine xmlns="" xmlns:a14="http://schemas.microsoft.com/office/drawing/2010/main" w="9525">
+              <a14:hiddenLine xmlns:a14="http://schemas.microsoft.com/office/drawing/2010/main" xmlns="" w="9525">
                 <a:solidFill>
                   <a:srgbClr val="000000"/>
                 </a:solidFill>
@@ -7672,14 +7714,14 @@
           </a:ln>
           <a:extLst>
             <a:ext uri="{909E8E84-426E-40dd-AFC4-6F175D3DCCD1}">
-              <a14:hiddenFill xmlns="" xmlns:a14="http://schemas.microsoft.com/office/drawing/2010/main">
+              <a14:hiddenFill xmlns:a14="http://schemas.microsoft.com/office/drawing/2010/main" xmlns="">
                 <a:solidFill>
                   <a:srgbClr val="FFFFFF"/>
                 </a:solidFill>
               </a14:hiddenFill>
             </a:ext>
             <a:ext uri="{91240B29-F687-4f45-9708-019B960494DF}">
-              <a14:hiddenLine xmlns="" xmlns:a14="http://schemas.microsoft.com/office/drawing/2010/main" w="9525">
+              <a14:hiddenLine xmlns:a14="http://schemas.microsoft.com/office/drawing/2010/main" xmlns="" w="9525">
                 <a:solidFill>
                   <a:srgbClr val="000000"/>
                 </a:solidFill>
@@ -9071,14 +9113,14 @@
           </a:ln>
           <a:extLst>
             <a:ext uri="{909E8E84-426E-40dd-AFC4-6F175D3DCCD1}">
-              <a14:hiddenFill xmlns="" xmlns:a14="http://schemas.microsoft.com/office/drawing/2010/main">
+              <a14:hiddenFill xmlns:a14="http://schemas.microsoft.com/office/drawing/2010/main" xmlns="">
                 <a:solidFill>
                   <a:srgbClr val="FFFFFF"/>
                 </a:solidFill>
               </a14:hiddenFill>
             </a:ext>
             <a:ext uri="{91240B29-F687-4f45-9708-019B960494DF}">
-              <a14:hiddenLine xmlns="" xmlns:a14="http://schemas.microsoft.com/office/drawing/2010/main" w="9525">
+              <a14:hiddenLine xmlns:a14="http://schemas.microsoft.com/office/drawing/2010/main" xmlns="" w="9525">
                 <a:solidFill>
                   <a:srgbClr val="000000"/>
                 </a:solidFill>
@@ -9559,14 +9601,14 @@
             </a:ln>
             <a:extLst>
               <a:ext uri="{909E8E84-426E-40dd-AFC4-6F175D3DCCD1}">
-                <a14:hiddenFill xmlns="" xmlns:a14="http://schemas.microsoft.com/office/drawing/2010/main">
+                <a14:hiddenFill xmlns:a14="http://schemas.microsoft.com/office/drawing/2010/main" xmlns="">
                   <a:solidFill>
                     <a:srgbClr val="FFFFFF"/>
                   </a:solidFill>
                 </a14:hiddenFill>
               </a:ext>
               <a:ext uri="{91240B29-F687-4f45-9708-019B960494DF}">
-                <a14:hiddenLine xmlns="" xmlns:a14="http://schemas.microsoft.com/office/drawing/2010/main" w="9525">
+                <a14:hiddenLine xmlns:a14="http://schemas.microsoft.com/office/drawing/2010/main" xmlns="" w="9525">
                   <a:solidFill>
                     <a:srgbClr val="000000"/>
                   </a:solidFill>
@@ -9878,14 +9920,14 @@
             </a:ln>
             <a:extLst>
               <a:ext uri="{909E8E84-426E-40dd-AFC4-6F175D3DCCD1}">
-                <a14:hiddenFill xmlns="" xmlns:a14="http://schemas.microsoft.com/office/drawing/2010/main">
+                <a14:hiddenFill xmlns:a14="http://schemas.microsoft.com/office/drawing/2010/main" xmlns="">
                   <a:solidFill>
                     <a:srgbClr val="FFFFFF"/>
                   </a:solidFill>
                 </a14:hiddenFill>
               </a:ext>
               <a:ext uri="{91240B29-F687-4f45-9708-019B960494DF}">
-                <a14:hiddenLine xmlns="" xmlns:a14="http://schemas.microsoft.com/office/drawing/2010/main" w="9525">
+                <a14:hiddenLine xmlns:a14="http://schemas.microsoft.com/office/drawing/2010/main" xmlns="" w="9525">
                   <a:solidFill>
                     <a:srgbClr val="000000"/>
                   </a:solidFill>
@@ -10211,14 +10253,14 @@
             </a:ln>
             <a:extLst>
               <a:ext uri="{909E8E84-426E-40dd-AFC4-6F175D3DCCD1}">
-                <a14:hiddenFill xmlns="" xmlns:a14="http://schemas.microsoft.com/office/drawing/2010/main">
+                <a14:hiddenFill xmlns:a14="http://schemas.microsoft.com/office/drawing/2010/main" xmlns="">
                   <a:solidFill>
                     <a:srgbClr val="FFFFFF"/>
                   </a:solidFill>
                 </a14:hiddenFill>
               </a:ext>
               <a:ext uri="{91240B29-F687-4f45-9708-019B960494DF}">
-                <a14:hiddenLine xmlns="" xmlns:a14="http://schemas.microsoft.com/office/drawing/2010/main" w="9525">
+                <a14:hiddenLine xmlns:a14="http://schemas.microsoft.com/office/drawing/2010/main" xmlns="" w="9525">
                   <a:solidFill>
                     <a:srgbClr val="000000"/>
                   </a:solidFill>
@@ -10544,14 +10586,14 @@
             </a:ln>
             <a:extLst>
               <a:ext uri="{909E8E84-426E-40dd-AFC4-6F175D3DCCD1}">
-                <a14:hiddenFill xmlns="" xmlns:a14="http://schemas.microsoft.com/office/drawing/2010/main">
+                <a14:hiddenFill xmlns:a14="http://schemas.microsoft.com/office/drawing/2010/main" xmlns="">
                   <a:solidFill>
                     <a:srgbClr val="FFFFFF"/>
                   </a:solidFill>
                 </a14:hiddenFill>
               </a:ext>
               <a:ext uri="{91240B29-F687-4f45-9708-019B960494DF}">
-                <a14:hiddenLine xmlns="" xmlns:a14="http://schemas.microsoft.com/office/drawing/2010/main" w="9525">
+                <a14:hiddenLine xmlns:a14="http://schemas.microsoft.com/office/drawing/2010/main" xmlns="" w="9525">
                   <a:solidFill>
                     <a:srgbClr val="000000"/>
                   </a:solidFill>
@@ -10877,14 +10919,14 @@
             </a:ln>
             <a:extLst>
               <a:ext uri="{909E8E84-426E-40dd-AFC4-6F175D3DCCD1}">
-                <a14:hiddenFill xmlns="" xmlns:a14="http://schemas.microsoft.com/office/drawing/2010/main">
+                <a14:hiddenFill xmlns:a14="http://schemas.microsoft.com/office/drawing/2010/main" xmlns="">
                   <a:solidFill>
                     <a:srgbClr val="FFFFFF"/>
                   </a:solidFill>
                 </a14:hiddenFill>
               </a:ext>
               <a:ext uri="{91240B29-F687-4f45-9708-019B960494DF}">
-                <a14:hiddenLine xmlns="" xmlns:a14="http://schemas.microsoft.com/office/drawing/2010/main" w="9525">
+                <a14:hiddenLine xmlns:a14="http://schemas.microsoft.com/office/drawing/2010/main" xmlns="" w="9525">
                   <a:solidFill>
                     <a:srgbClr val="000000"/>
                   </a:solidFill>
@@ -11213,14 +11255,14 @@
             </a:ln>
             <a:extLst>
               <a:ext uri="{909E8E84-426E-40dd-AFC4-6F175D3DCCD1}">
-                <a14:hiddenFill xmlns="" xmlns:a14="http://schemas.microsoft.com/office/drawing/2010/main">
+                <a14:hiddenFill xmlns:a14="http://schemas.microsoft.com/office/drawing/2010/main" xmlns="">
                   <a:solidFill>
                     <a:srgbClr val="FFFFFF"/>
                   </a:solidFill>
                 </a14:hiddenFill>
               </a:ext>
               <a:ext uri="{91240B29-F687-4f45-9708-019B960494DF}">
-                <a14:hiddenLine xmlns="" xmlns:a14="http://schemas.microsoft.com/office/drawing/2010/main" w="9525">
+                <a14:hiddenLine xmlns:a14="http://schemas.microsoft.com/office/drawing/2010/main" xmlns="" w="9525">
                   <a:solidFill>
                     <a:srgbClr val="000000"/>
                   </a:solidFill>
@@ -12242,14 +12284,14 @@
           </a:ln>
           <a:extLst>
             <a:ext uri="{909E8E84-426E-40dd-AFC4-6F175D3DCCD1}">
-              <a14:hiddenFill xmlns="" xmlns:a14="http://schemas.microsoft.com/office/drawing/2010/main">
+              <a14:hiddenFill xmlns:a14="http://schemas.microsoft.com/office/drawing/2010/main" xmlns="">
                 <a:solidFill>
                   <a:srgbClr val="FFFFFF"/>
                 </a:solidFill>
               </a14:hiddenFill>
             </a:ext>
             <a:ext uri="{91240B29-F687-4f45-9708-019B960494DF}">
-              <a14:hiddenLine xmlns="" xmlns:a14="http://schemas.microsoft.com/office/drawing/2010/main" w="9525">
+              <a14:hiddenLine xmlns:a14="http://schemas.microsoft.com/office/drawing/2010/main" xmlns="" w="9525">
                 <a:solidFill>
                   <a:srgbClr val="000000"/>
                 </a:solidFill>
